--- a/Learn Python 5.pptx
+++ b/Learn Python 5.pptx
@@ -7764,13 +7764,13 @@
         </p:nvSpPr>
         <p:spPr>
           <a:xfrm>
-            <a:off x="2589212" y="1350628"/>
-            <a:ext cx="8915400" cy="4560594"/>
+            <a:off x="2589211" y="1350627"/>
+            <a:ext cx="9474157" cy="5293453"/>
           </a:xfrm>
         </p:spPr>
         <p:txBody>
           <a:bodyPr>
-            <a:normAutofit fontScale="92500" lnSpcReduction="20000"/>
+            <a:normAutofit fontScale="92500" lnSpcReduction="10000"/>
           </a:bodyPr>
           <a:lstStyle/>
           <a:p>
@@ -7781,13 +7781,16 @@
           </a:p>
           <a:p>
             <a:r>
-              <a:rPr lang="en-US" dirty="0" err="1"/>
-              <a:t>Github</a:t>
-            </a:r>
-            <a:r>
               <a:rPr lang="en-US" dirty="0"/>
-              <a:t> repository – Will post slides here</a:t>
-            </a:r>
+              <a:t>GitHub repository – Will post slides here: </a:t>
+            </a:r>
+            <a:r>
+              <a:rPr lang="en-US" dirty="0">
+                <a:hlinkClick r:id="rId2"/>
+              </a:rPr>
+              <a:t>https://github.com/yelisetti/LearnPython-StemOutreach</a:t>
+            </a:r>
+            <a:endParaRPr lang="en-US" dirty="0"/>
           </a:p>
           <a:p>
             <a:r>
@@ -7854,7 +7857,7 @@
             </a:r>
             <a:r>
               <a:rPr lang="en-US" dirty="0">
-                <a:hlinkClick r:id="rId2"/>
+                <a:hlinkClick r:id="rId3"/>
               </a:rPr>
               <a:t>https://repl.it/@VishalAtreAtre/GlossyWeirdSystemadministrator#flower.py</a:t>
             </a:r>
